--- a/Egw.pptx
+++ b/Egw.pptx
@@ -288,6 +288,7 @@
           <a:p>
             <a:fld id="{0B60646D-49C4-4F6B-BB3C-040ECE4C01D1}" type="datetimeFigureOut">
               <a:rPr lang="el-GR" smtClean="0"/>
+              <a:pPr/>
               <a:t>25/5/2016</a:t>
             </a:fld>
             <a:endParaRPr lang="el-GR"/>
@@ -330,6 +331,7 @@
           <a:p>
             <a:fld id="{A70E8E00-D58F-4480-A2D6-B474DDD3881F}" type="slidenum">
               <a:rPr lang="el-GR" smtClean="0"/>
+              <a:pPr/>
               <a:t>‹#›</a:t>
             </a:fld>
             <a:endParaRPr lang="el-GR"/>
@@ -453,6 +455,7 @@
           <a:p>
             <a:fld id="{0B60646D-49C4-4F6B-BB3C-040ECE4C01D1}" type="datetimeFigureOut">
               <a:rPr lang="el-GR" smtClean="0"/>
+              <a:pPr/>
               <a:t>25/5/2016</a:t>
             </a:fld>
             <a:endParaRPr lang="el-GR"/>
@@ -495,6 +498,7 @@
           <a:p>
             <a:fld id="{A70E8E00-D58F-4480-A2D6-B474DDD3881F}" type="slidenum">
               <a:rPr lang="el-GR" smtClean="0"/>
+              <a:pPr/>
               <a:t>‹#›</a:t>
             </a:fld>
             <a:endParaRPr lang="el-GR"/>
@@ -628,6 +632,7 @@
           <a:p>
             <a:fld id="{0B60646D-49C4-4F6B-BB3C-040ECE4C01D1}" type="datetimeFigureOut">
               <a:rPr lang="el-GR" smtClean="0"/>
+              <a:pPr/>
               <a:t>25/5/2016</a:t>
             </a:fld>
             <a:endParaRPr lang="el-GR"/>
@@ -670,6 +675,7 @@
           <a:p>
             <a:fld id="{A70E8E00-D58F-4480-A2D6-B474DDD3881F}" type="slidenum">
               <a:rPr lang="el-GR" smtClean="0"/>
+              <a:pPr/>
               <a:t>‹#›</a:t>
             </a:fld>
             <a:endParaRPr lang="el-GR"/>
@@ -793,6 +799,7 @@
           <a:p>
             <a:fld id="{0B60646D-49C4-4F6B-BB3C-040ECE4C01D1}" type="datetimeFigureOut">
               <a:rPr lang="el-GR" smtClean="0"/>
+              <a:pPr/>
               <a:t>25/5/2016</a:t>
             </a:fld>
             <a:endParaRPr lang="el-GR"/>
@@ -835,6 +842,7 @@
           <a:p>
             <a:fld id="{A70E8E00-D58F-4480-A2D6-B474DDD3881F}" type="slidenum">
               <a:rPr lang="el-GR" smtClean="0"/>
+              <a:pPr/>
               <a:t>‹#›</a:t>
             </a:fld>
             <a:endParaRPr lang="el-GR"/>
@@ -1034,6 +1042,7 @@
           <a:p>
             <a:fld id="{0B60646D-49C4-4F6B-BB3C-040ECE4C01D1}" type="datetimeFigureOut">
               <a:rPr lang="el-GR" smtClean="0"/>
+              <a:pPr/>
               <a:t>25/5/2016</a:t>
             </a:fld>
             <a:endParaRPr lang="el-GR"/>
@@ -1076,6 +1085,7 @@
           <a:p>
             <a:fld id="{A70E8E00-D58F-4480-A2D6-B474DDD3881F}" type="slidenum">
               <a:rPr lang="el-GR" smtClean="0"/>
+              <a:pPr/>
               <a:t>‹#›</a:t>
             </a:fld>
             <a:endParaRPr lang="el-GR"/>
@@ -1317,6 +1327,7 @@
           <a:p>
             <a:fld id="{0B60646D-49C4-4F6B-BB3C-040ECE4C01D1}" type="datetimeFigureOut">
               <a:rPr lang="el-GR" smtClean="0"/>
+              <a:pPr/>
               <a:t>25/5/2016</a:t>
             </a:fld>
             <a:endParaRPr lang="el-GR"/>
@@ -1359,6 +1370,7 @@
           <a:p>
             <a:fld id="{A70E8E00-D58F-4480-A2D6-B474DDD3881F}" type="slidenum">
               <a:rPr lang="el-GR" smtClean="0"/>
+              <a:pPr/>
               <a:t>‹#›</a:t>
             </a:fld>
             <a:endParaRPr lang="el-GR"/>
@@ -1734,6 +1746,7 @@
           <a:p>
             <a:fld id="{0B60646D-49C4-4F6B-BB3C-040ECE4C01D1}" type="datetimeFigureOut">
               <a:rPr lang="el-GR" smtClean="0"/>
+              <a:pPr/>
               <a:t>25/5/2016</a:t>
             </a:fld>
             <a:endParaRPr lang="el-GR"/>
@@ -1776,6 +1789,7 @@
           <a:p>
             <a:fld id="{A70E8E00-D58F-4480-A2D6-B474DDD3881F}" type="slidenum">
               <a:rPr lang="el-GR" smtClean="0"/>
+              <a:pPr/>
               <a:t>‹#›</a:t>
             </a:fld>
             <a:endParaRPr lang="el-GR"/>
@@ -1847,6 +1861,7 @@
           <a:p>
             <a:fld id="{0B60646D-49C4-4F6B-BB3C-040ECE4C01D1}" type="datetimeFigureOut">
               <a:rPr lang="el-GR" smtClean="0"/>
+              <a:pPr/>
               <a:t>25/5/2016</a:t>
             </a:fld>
             <a:endParaRPr lang="el-GR"/>
@@ -1889,6 +1904,7 @@
           <a:p>
             <a:fld id="{A70E8E00-D58F-4480-A2D6-B474DDD3881F}" type="slidenum">
               <a:rPr lang="el-GR" smtClean="0"/>
+              <a:pPr/>
               <a:t>‹#›</a:t>
             </a:fld>
             <a:endParaRPr lang="el-GR"/>
@@ -1937,6 +1953,7 @@
           <a:p>
             <a:fld id="{0B60646D-49C4-4F6B-BB3C-040ECE4C01D1}" type="datetimeFigureOut">
               <a:rPr lang="el-GR" smtClean="0"/>
+              <a:pPr/>
               <a:t>25/5/2016</a:t>
             </a:fld>
             <a:endParaRPr lang="el-GR"/>
@@ -1979,6 +1996,7 @@
           <a:p>
             <a:fld id="{A70E8E00-D58F-4480-A2D6-B474DDD3881F}" type="slidenum">
               <a:rPr lang="el-GR" smtClean="0"/>
+              <a:pPr/>
               <a:t>‹#›</a:t>
             </a:fld>
             <a:endParaRPr lang="el-GR"/>
@@ -2209,6 +2227,7 @@
           <a:p>
             <a:fld id="{0B60646D-49C4-4F6B-BB3C-040ECE4C01D1}" type="datetimeFigureOut">
               <a:rPr lang="el-GR" smtClean="0"/>
+              <a:pPr/>
               <a:t>25/5/2016</a:t>
             </a:fld>
             <a:endParaRPr lang="el-GR"/>
@@ -2251,6 +2270,7 @@
           <a:p>
             <a:fld id="{A70E8E00-D58F-4480-A2D6-B474DDD3881F}" type="slidenum">
               <a:rPr lang="el-GR" smtClean="0"/>
+              <a:pPr/>
               <a:t>‹#›</a:t>
             </a:fld>
             <a:endParaRPr lang="el-GR"/>
@@ -2457,6 +2477,7 @@
           <a:p>
             <a:fld id="{0B60646D-49C4-4F6B-BB3C-040ECE4C01D1}" type="datetimeFigureOut">
               <a:rPr lang="el-GR" smtClean="0"/>
+              <a:pPr/>
               <a:t>25/5/2016</a:t>
             </a:fld>
             <a:endParaRPr lang="el-GR"/>
@@ -2499,6 +2520,7 @@
           <a:p>
             <a:fld id="{A70E8E00-D58F-4480-A2D6-B474DDD3881F}" type="slidenum">
               <a:rPr lang="el-GR" smtClean="0"/>
+              <a:pPr/>
               <a:t>‹#›</a:t>
             </a:fld>
             <a:endParaRPr lang="el-GR"/>
@@ -2665,6 +2687,7 @@
           <a:p>
             <a:fld id="{0B60646D-49C4-4F6B-BB3C-040ECE4C01D1}" type="datetimeFigureOut">
               <a:rPr lang="el-GR" smtClean="0"/>
+              <a:pPr/>
               <a:t>25/5/2016</a:t>
             </a:fld>
             <a:endParaRPr lang="el-GR"/>
@@ -2743,6 +2766,7 @@
           <a:p>
             <a:fld id="{A70E8E00-D58F-4480-A2D6-B474DDD3881F}" type="slidenum">
               <a:rPr lang="el-GR" smtClean="0"/>
+              <a:pPr/>
               <a:t>‹#›</a:t>
             </a:fld>
             <a:endParaRPr lang="el-GR"/>
@@ -3073,7 +3097,11 @@
           <a:bodyPr/>
           <a:lstStyle/>
           <a:p>
-            <a:endParaRPr lang="el-GR"/>
+            <a:r>
+              <a:rPr lang="en-US" dirty="0" err="1" smtClean="0"/>
+              <a:t>Theodorou</a:t>
+            </a:r>
+            <a:endParaRPr lang="el-GR" dirty="0"/>
           </a:p>
         </p:txBody>
       </p:sp>

--- a/Egw.pptx
+++ b/Egw.pptx
@@ -288,7 +288,6 @@
           <a:p>
             <a:fld id="{0B60646D-49C4-4F6B-BB3C-040ECE4C01D1}" type="datetimeFigureOut">
               <a:rPr lang="el-GR" smtClean="0"/>
-              <a:pPr/>
               <a:t>25/5/2016</a:t>
             </a:fld>
             <a:endParaRPr lang="el-GR"/>
@@ -331,7 +330,6 @@
           <a:p>
             <a:fld id="{A70E8E00-D58F-4480-A2D6-B474DDD3881F}" type="slidenum">
               <a:rPr lang="el-GR" smtClean="0"/>
-              <a:pPr/>
               <a:t>‹#›</a:t>
             </a:fld>
             <a:endParaRPr lang="el-GR"/>
@@ -455,7 +453,6 @@
           <a:p>
             <a:fld id="{0B60646D-49C4-4F6B-BB3C-040ECE4C01D1}" type="datetimeFigureOut">
               <a:rPr lang="el-GR" smtClean="0"/>
-              <a:pPr/>
               <a:t>25/5/2016</a:t>
             </a:fld>
             <a:endParaRPr lang="el-GR"/>
@@ -498,7 +495,6 @@
           <a:p>
             <a:fld id="{A70E8E00-D58F-4480-A2D6-B474DDD3881F}" type="slidenum">
               <a:rPr lang="el-GR" smtClean="0"/>
-              <a:pPr/>
               <a:t>‹#›</a:t>
             </a:fld>
             <a:endParaRPr lang="el-GR"/>
@@ -632,7 +628,6 @@
           <a:p>
             <a:fld id="{0B60646D-49C4-4F6B-BB3C-040ECE4C01D1}" type="datetimeFigureOut">
               <a:rPr lang="el-GR" smtClean="0"/>
-              <a:pPr/>
               <a:t>25/5/2016</a:t>
             </a:fld>
             <a:endParaRPr lang="el-GR"/>
@@ -675,7 +670,6 @@
           <a:p>
             <a:fld id="{A70E8E00-D58F-4480-A2D6-B474DDD3881F}" type="slidenum">
               <a:rPr lang="el-GR" smtClean="0"/>
-              <a:pPr/>
               <a:t>‹#›</a:t>
             </a:fld>
             <a:endParaRPr lang="el-GR"/>
@@ -799,7 +793,6 @@
           <a:p>
             <a:fld id="{0B60646D-49C4-4F6B-BB3C-040ECE4C01D1}" type="datetimeFigureOut">
               <a:rPr lang="el-GR" smtClean="0"/>
-              <a:pPr/>
               <a:t>25/5/2016</a:t>
             </a:fld>
             <a:endParaRPr lang="el-GR"/>
@@ -842,7 +835,6 @@
           <a:p>
             <a:fld id="{A70E8E00-D58F-4480-A2D6-B474DDD3881F}" type="slidenum">
               <a:rPr lang="el-GR" smtClean="0"/>
-              <a:pPr/>
               <a:t>‹#›</a:t>
             </a:fld>
             <a:endParaRPr lang="el-GR"/>
@@ -1042,7 +1034,6 @@
           <a:p>
             <a:fld id="{0B60646D-49C4-4F6B-BB3C-040ECE4C01D1}" type="datetimeFigureOut">
               <a:rPr lang="el-GR" smtClean="0"/>
-              <a:pPr/>
               <a:t>25/5/2016</a:t>
             </a:fld>
             <a:endParaRPr lang="el-GR"/>
@@ -1085,7 +1076,6 @@
           <a:p>
             <a:fld id="{A70E8E00-D58F-4480-A2D6-B474DDD3881F}" type="slidenum">
               <a:rPr lang="el-GR" smtClean="0"/>
-              <a:pPr/>
               <a:t>‹#›</a:t>
             </a:fld>
             <a:endParaRPr lang="el-GR"/>
@@ -1327,7 +1317,6 @@
           <a:p>
             <a:fld id="{0B60646D-49C4-4F6B-BB3C-040ECE4C01D1}" type="datetimeFigureOut">
               <a:rPr lang="el-GR" smtClean="0"/>
-              <a:pPr/>
               <a:t>25/5/2016</a:t>
             </a:fld>
             <a:endParaRPr lang="el-GR"/>
@@ -1370,7 +1359,6 @@
           <a:p>
             <a:fld id="{A70E8E00-D58F-4480-A2D6-B474DDD3881F}" type="slidenum">
               <a:rPr lang="el-GR" smtClean="0"/>
-              <a:pPr/>
               <a:t>‹#›</a:t>
             </a:fld>
             <a:endParaRPr lang="el-GR"/>
@@ -1746,7 +1734,6 @@
           <a:p>
             <a:fld id="{0B60646D-49C4-4F6B-BB3C-040ECE4C01D1}" type="datetimeFigureOut">
               <a:rPr lang="el-GR" smtClean="0"/>
-              <a:pPr/>
               <a:t>25/5/2016</a:t>
             </a:fld>
             <a:endParaRPr lang="el-GR"/>
@@ -1789,7 +1776,6 @@
           <a:p>
             <a:fld id="{A70E8E00-D58F-4480-A2D6-B474DDD3881F}" type="slidenum">
               <a:rPr lang="el-GR" smtClean="0"/>
-              <a:pPr/>
               <a:t>‹#›</a:t>
             </a:fld>
             <a:endParaRPr lang="el-GR"/>
@@ -1861,7 +1847,6 @@
           <a:p>
             <a:fld id="{0B60646D-49C4-4F6B-BB3C-040ECE4C01D1}" type="datetimeFigureOut">
               <a:rPr lang="el-GR" smtClean="0"/>
-              <a:pPr/>
               <a:t>25/5/2016</a:t>
             </a:fld>
             <a:endParaRPr lang="el-GR"/>
@@ -1904,7 +1889,6 @@
           <a:p>
             <a:fld id="{A70E8E00-D58F-4480-A2D6-B474DDD3881F}" type="slidenum">
               <a:rPr lang="el-GR" smtClean="0"/>
-              <a:pPr/>
               <a:t>‹#›</a:t>
             </a:fld>
             <a:endParaRPr lang="el-GR"/>
@@ -1953,7 +1937,6 @@
           <a:p>
             <a:fld id="{0B60646D-49C4-4F6B-BB3C-040ECE4C01D1}" type="datetimeFigureOut">
               <a:rPr lang="el-GR" smtClean="0"/>
-              <a:pPr/>
               <a:t>25/5/2016</a:t>
             </a:fld>
             <a:endParaRPr lang="el-GR"/>
@@ -1996,7 +1979,6 @@
           <a:p>
             <a:fld id="{A70E8E00-D58F-4480-A2D6-B474DDD3881F}" type="slidenum">
               <a:rPr lang="el-GR" smtClean="0"/>
-              <a:pPr/>
               <a:t>‹#›</a:t>
             </a:fld>
             <a:endParaRPr lang="el-GR"/>
@@ -2227,7 +2209,6 @@
           <a:p>
             <a:fld id="{0B60646D-49C4-4F6B-BB3C-040ECE4C01D1}" type="datetimeFigureOut">
               <a:rPr lang="el-GR" smtClean="0"/>
-              <a:pPr/>
               <a:t>25/5/2016</a:t>
             </a:fld>
             <a:endParaRPr lang="el-GR"/>
@@ -2270,7 +2251,6 @@
           <a:p>
             <a:fld id="{A70E8E00-D58F-4480-A2D6-B474DDD3881F}" type="slidenum">
               <a:rPr lang="el-GR" smtClean="0"/>
-              <a:pPr/>
               <a:t>‹#›</a:t>
             </a:fld>
             <a:endParaRPr lang="el-GR"/>
@@ -2477,7 +2457,6 @@
           <a:p>
             <a:fld id="{0B60646D-49C4-4F6B-BB3C-040ECE4C01D1}" type="datetimeFigureOut">
               <a:rPr lang="el-GR" smtClean="0"/>
-              <a:pPr/>
               <a:t>25/5/2016</a:t>
             </a:fld>
             <a:endParaRPr lang="el-GR"/>
@@ -2520,7 +2499,6 @@
           <a:p>
             <a:fld id="{A70E8E00-D58F-4480-A2D6-B474DDD3881F}" type="slidenum">
               <a:rPr lang="el-GR" smtClean="0"/>
-              <a:pPr/>
               <a:t>‹#›</a:t>
             </a:fld>
             <a:endParaRPr lang="el-GR"/>
@@ -2687,7 +2665,6 @@
           <a:p>
             <a:fld id="{0B60646D-49C4-4F6B-BB3C-040ECE4C01D1}" type="datetimeFigureOut">
               <a:rPr lang="el-GR" smtClean="0"/>
-              <a:pPr/>
               <a:t>25/5/2016</a:t>
             </a:fld>
             <a:endParaRPr lang="el-GR"/>
@@ -2766,7 +2743,6 @@
           <a:p>
             <a:fld id="{A70E8E00-D58F-4480-A2D6-B474DDD3881F}" type="slidenum">
               <a:rPr lang="el-GR" smtClean="0"/>
-              <a:pPr/>
               <a:t>‹#›</a:t>
             </a:fld>
             <a:endParaRPr lang="el-GR"/>
@@ -3097,11 +3073,7 @@
           <a:bodyPr/>
           <a:lstStyle/>
           <a:p>
-            <a:r>
-              <a:rPr lang="en-US" dirty="0" err="1" smtClean="0"/>
-              <a:t>Theodorou</a:t>
-            </a:r>
-            <a:endParaRPr lang="el-GR" dirty="0"/>
+            <a:endParaRPr lang="el-GR"/>
           </a:p>
         </p:txBody>
       </p:sp>
